--- a/AI-Report-Presentation.pptx
+++ b/AI-Report-Presentation.pptx
@@ -5,7 +5,7 @@
     <p:sldMasterId id="2147483648" r:id="rId1"/>
   </p:sldMasterIdLst>
   <p:notesMasterIdLst>
-    <p:notesMasterId r:id="rId16"/>
+    <p:notesMasterId r:id="rId15"/>
   </p:notesMasterIdLst>
   <p:sldIdLst>
     <p:sldId id="256" r:id="rId2"/>
@@ -21,7 +21,6 @@
     <p:sldId id="267" r:id="rId12"/>
     <p:sldId id="268" r:id="rId13"/>
     <p:sldId id="260" r:id="rId14"/>
-    <p:sldId id="269" r:id="rId15"/>
   </p:sldIdLst>
   <p:sldSz cx="12192000" cy="6858000"/>
   <p:notesSz cx="6858000" cy="9144000"/>
@@ -826,7 +825,7 @@
           <a:p>
             <a:fld id="{76CEE10F-BAA8-4634-B7F7-AEC967A64502}" type="datetimeFigureOut">
               <a:rPr lang="en-US" smtClean="0"/>
-              <a:t>01-Nov-23</a:t>
+              <a:t>11/9/2024</a:t>
             </a:fld>
             <a:endParaRPr lang="en-US"/>
           </a:p>
@@ -1115,7 +1114,7 @@
           <p:cNvPr id="2" name="Title 1">
             <a:extLst>
               <a:ext uri="{FF2B5EF4-FFF2-40B4-BE49-F238E27FC236}">
-                <a16:creationId xmlns:a16="http://schemas.microsoft.com/office/drawing/2014/main" xmlns="" id="{855D754A-9FA6-3EFD-4B2F-F9FF46C100AB}"/>
+                <a16:creationId xmlns:a16="http://schemas.microsoft.com/office/drawing/2014/main" id="{855D754A-9FA6-3EFD-4B2F-F9FF46C100AB}"/>
               </a:ext>
             </a:extLst>
           </p:cNvPr>
@@ -1152,7 +1151,7 @@
           <p:cNvPr id="3" name="Subtitle 2">
             <a:extLst>
               <a:ext uri="{FF2B5EF4-FFF2-40B4-BE49-F238E27FC236}">
-                <a16:creationId xmlns:a16="http://schemas.microsoft.com/office/drawing/2014/main" xmlns="" id="{02A1F835-45A1-F358-28A6-92A0A94EC713}"/>
+                <a16:creationId xmlns:a16="http://schemas.microsoft.com/office/drawing/2014/main" id="{02A1F835-45A1-F358-28A6-92A0A94EC713}"/>
               </a:ext>
             </a:extLst>
           </p:cNvPr>
@@ -1222,7 +1221,7 @@
           <p:cNvPr id="4" name="Date Placeholder 3">
             <a:extLst>
               <a:ext uri="{FF2B5EF4-FFF2-40B4-BE49-F238E27FC236}">
-                <a16:creationId xmlns:a16="http://schemas.microsoft.com/office/drawing/2014/main" xmlns="" id="{A9C7C812-DCD5-F090-F417-4BCCC5408F60}"/>
+                <a16:creationId xmlns:a16="http://schemas.microsoft.com/office/drawing/2014/main" id="{A9C7C812-DCD5-F090-F417-4BCCC5408F60}"/>
               </a:ext>
             </a:extLst>
           </p:cNvPr>
@@ -1240,7 +1239,7 @@
           <a:p>
             <a:fld id="{1F38B5EB-E661-40A1-A753-2118D6E3CDA9}" type="datetimeFigureOut">
               <a:rPr lang="en-US" smtClean="0"/>
-              <a:t>01-Nov-23</a:t>
+              <a:t>11/9/2024</a:t>
             </a:fld>
             <a:endParaRPr lang="en-US"/>
           </a:p>
@@ -1251,7 +1250,7 @@
           <p:cNvPr id="5" name="Footer Placeholder 4">
             <a:extLst>
               <a:ext uri="{FF2B5EF4-FFF2-40B4-BE49-F238E27FC236}">
-                <a16:creationId xmlns:a16="http://schemas.microsoft.com/office/drawing/2014/main" xmlns="" id="{E4C4D527-D177-4CDA-E01F-9ADFC28B2E89}"/>
+                <a16:creationId xmlns:a16="http://schemas.microsoft.com/office/drawing/2014/main" id="{E4C4D527-D177-4CDA-E01F-9ADFC28B2E89}"/>
               </a:ext>
             </a:extLst>
           </p:cNvPr>
@@ -1276,7 +1275,7 @@
           <p:cNvPr id="6" name="Slide Number Placeholder 5">
             <a:extLst>
               <a:ext uri="{FF2B5EF4-FFF2-40B4-BE49-F238E27FC236}">
-                <a16:creationId xmlns:a16="http://schemas.microsoft.com/office/drawing/2014/main" xmlns="" id="{8B5A5C7B-F73A-4F7A-F1F6-2FD32962A121}"/>
+                <a16:creationId xmlns:a16="http://schemas.microsoft.com/office/drawing/2014/main" id="{8B5A5C7B-F73A-4F7A-F1F6-2FD32962A121}"/>
               </a:ext>
             </a:extLst>
           </p:cNvPr>
@@ -1335,7 +1334,7 @@
           <p:cNvPr id="2" name="Title 1">
             <a:extLst>
               <a:ext uri="{FF2B5EF4-FFF2-40B4-BE49-F238E27FC236}">
-                <a16:creationId xmlns:a16="http://schemas.microsoft.com/office/drawing/2014/main" xmlns="" id="{A8D63943-FC2E-097D-F190-8E1CCCD6FEAA}"/>
+                <a16:creationId xmlns:a16="http://schemas.microsoft.com/office/drawing/2014/main" id="{A8D63943-FC2E-097D-F190-8E1CCCD6FEAA}"/>
               </a:ext>
             </a:extLst>
           </p:cNvPr>
@@ -1363,7 +1362,7 @@
           <p:cNvPr id="3" name="Vertical Text Placeholder 2">
             <a:extLst>
               <a:ext uri="{FF2B5EF4-FFF2-40B4-BE49-F238E27FC236}">
-                <a16:creationId xmlns:a16="http://schemas.microsoft.com/office/drawing/2014/main" xmlns="" id="{A774F649-E827-C828-D519-8DDA0D6BC7A0}"/>
+                <a16:creationId xmlns:a16="http://schemas.microsoft.com/office/drawing/2014/main" id="{A774F649-E827-C828-D519-8DDA0D6BC7A0}"/>
               </a:ext>
             </a:extLst>
           </p:cNvPr>
@@ -1420,7 +1419,7 @@
           <p:cNvPr id="4" name="Date Placeholder 3">
             <a:extLst>
               <a:ext uri="{FF2B5EF4-FFF2-40B4-BE49-F238E27FC236}">
-                <a16:creationId xmlns:a16="http://schemas.microsoft.com/office/drawing/2014/main" xmlns="" id="{B89899F7-9F20-5A94-A8ED-09769EF03D90}"/>
+                <a16:creationId xmlns:a16="http://schemas.microsoft.com/office/drawing/2014/main" id="{B89899F7-9F20-5A94-A8ED-09769EF03D90}"/>
               </a:ext>
             </a:extLst>
           </p:cNvPr>
@@ -1438,7 +1437,7 @@
           <a:p>
             <a:fld id="{1F38B5EB-E661-40A1-A753-2118D6E3CDA9}" type="datetimeFigureOut">
               <a:rPr lang="en-US" smtClean="0"/>
-              <a:t>01-Nov-23</a:t>
+              <a:t>11/9/2024</a:t>
             </a:fld>
             <a:endParaRPr lang="en-US"/>
           </a:p>
@@ -1449,7 +1448,7 @@
           <p:cNvPr id="5" name="Footer Placeholder 4">
             <a:extLst>
               <a:ext uri="{FF2B5EF4-FFF2-40B4-BE49-F238E27FC236}">
-                <a16:creationId xmlns:a16="http://schemas.microsoft.com/office/drawing/2014/main" xmlns="" id="{381705DF-9375-B30C-EE78-D59620D2F237}"/>
+                <a16:creationId xmlns:a16="http://schemas.microsoft.com/office/drawing/2014/main" id="{381705DF-9375-B30C-EE78-D59620D2F237}"/>
               </a:ext>
             </a:extLst>
           </p:cNvPr>
@@ -1474,7 +1473,7 @@
           <p:cNvPr id="6" name="Slide Number Placeholder 5">
             <a:extLst>
               <a:ext uri="{FF2B5EF4-FFF2-40B4-BE49-F238E27FC236}">
-                <a16:creationId xmlns:a16="http://schemas.microsoft.com/office/drawing/2014/main" xmlns="" id="{DE54368B-916E-7BF2-0DEC-C59D1501FCEE}"/>
+                <a16:creationId xmlns:a16="http://schemas.microsoft.com/office/drawing/2014/main" id="{DE54368B-916E-7BF2-0DEC-C59D1501FCEE}"/>
               </a:ext>
             </a:extLst>
           </p:cNvPr>
@@ -1533,7 +1532,7 @@
           <p:cNvPr id="2" name="Vertical Title 1">
             <a:extLst>
               <a:ext uri="{FF2B5EF4-FFF2-40B4-BE49-F238E27FC236}">
-                <a16:creationId xmlns:a16="http://schemas.microsoft.com/office/drawing/2014/main" xmlns="" id="{FF510BD9-501F-EB41-104A-5B18453784D0}"/>
+                <a16:creationId xmlns:a16="http://schemas.microsoft.com/office/drawing/2014/main" id="{FF510BD9-501F-EB41-104A-5B18453784D0}"/>
               </a:ext>
             </a:extLst>
           </p:cNvPr>
@@ -1566,7 +1565,7 @@
           <p:cNvPr id="3" name="Vertical Text Placeholder 2">
             <a:extLst>
               <a:ext uri="{FF2B5EF4-FFF2-40B4-BE49-F238E27FC236}">
-                <a16:creationId xmlns:a16="http://schemas.microsoft.com/office/drawing/2014/main" xmlns="" id="{11D991AD-5567-BCCA-0BAE-CE3A4020E4AF}"/>
+                <a16:creationId xmlns:a16="http://schemas.microsoft.com/office/drawing/2014/main" id="{11D991AD-5567-BCCA-0BAE-CE3A4020E4AF}"/>
               </a:ext>
             </a:extLst>
           </p:cNvPr>
@@ -1628,7 +1627,7 @@
           <p:cNvPr id="4" name="Date Placeholder 3">
             <a:extLst>
               <a:ext uri="{FF2B5EF4-FFF2-40B4-BE49-F238E27FC236}">
-                <a16:creationId xmlns:a16="http://schemas.microsoft.com/office/drawing/2014/main" xmlns="" id="{7D947764-A236-90CA-A883-5F221DE15140}"/>
+                <a16:creationId xmlns:a16="http://schemas.microsoft.com/office/drawing/2014/main" id="{7D947764-A236-90CA-A883-5F221DE15140}"/>
               </a:ext>
             </a:extLst>
           </p:cNvPr>
@@ -1646,7 +1645,7 @@
           <a:p>
             <a:fld id="{1F38B5EB-E661-40A1-A753-2118D6E3CDA9}" type="datetimeFigureOut">
               <a:rPr lang="en-US" smtClean="0"/>
-              <a:t>01-Nov-23</a:t>
+              <a:t>11/9/2024</a:t>
             </a:fld>
             <a:endParaRPr lang="en-US"/>
           </a:p>
@@ -1657,7 +1656,7 @@
           <p:cNvPr id="5" name="Footer Placeholder 4">
             <a:extLst>
               <a:ext uri="{FF2B5EF4-FFF2-40B4-BE49-F238E27FC236}">
-                <a16:creationId xmlns:a16="http://schemas.microsoft.com/office/drawing/2014/main" xmlns="" id="{F9E2E0E7-34BB-C0CF-9343-6B6C95D7DA31}"/>
+                <a16:creationId xmlns:a16="http://schemas.microsoft.com/office/drawing/2014/main" id="{F9E2E0E7-34BB-C0CF-9343-6B6C95D7DA31}"/>
               </a:ext>
             </a:extLst>
           </p:cNvPr>
@@ -1682,7 +1681,7 @@
           <p:cNvPr id="6" name="Slide Number Placeholder 5">
             <a:extLst>
               <a:ext uri="{FF2B5EF4-FFF2-40B4-BE49-F238E27FC236}">
-                <a16:creationId xmlns:a16="http://schemas.microsoft.com/office/drawing/2014/main" xmlns="" id="{E1DAB5FB-4A73-1515-9E03-9E73270488DE}"/>
+                <a16:creationId xmlns:a16="http://schemas.microsoft.com/office/drawing/2014/main" id="{E1DAB5FB-4A73-1515-9E03-9E73270488DE}"/>
               </a:ext>
             </a:extLst>
           </p:cNvPr>
@@ -1741,7 +1740,7 @@
           <p:cNvPr id="2" name="Title 1">
             <a:extLst>
               <a:ext uri="{FF2B5EF4-FFF2-40B4-BE49-F238E27FC236}">
-                <a16:creationId xmlns:a16="http://schemas.microsoft.com/office/drawing/2014/main" xmlns="" id="{441804F5-EC8F-5768-F6C7-19C2B1E02A19}"/>
+                <a16:creationId xmlns:a16="http://schemas.microsoft.com/office/drawing/2014/main" id="{441804F5-EC8F-5768-F6C7-19C2B1E02A19}"/>
               </a:ext>
             </a:extLst>
           </p:cNvPr>
@@ -1769,7 +1768,7 @@
           <p:cNvPr id="3" name="Content Placeholder 2">
             <a:extLst>
               <a:ext uri="{FF2B5EF4-FFF2-40B4-BE49-F238E27FC236}">
-                <a16:creationId xmlns:a16="http://schemas.microsoft.com/office/drawing/2014/main" xmlns="" id="{27CDD02C-D8CC-1C41-348C-4E4413DC5A64}"/>
+                <a16:creationId xmlns:a16="http://schemas.microsoft.com/office/drawing/2014/main" id="{27CDD02C-D8CC-1C41-348C-4E4413DC5A64}"/>
               </a:ext>
             </a:extLst>
           </p:cNvPr>
@@ -1826,7 +1825,7 @@
           <p:cNvPr id="4" name="Date Placeholder 3">
             <a:extLst>
               <a:ext uri="{FF2B5EF4-FFF2-40B4-BE49-F238E27FC236}">
-                <a16:creationId xmlns:a16="http://schemas.microsoft.com/office/drawing/2014/main" xmlns="" id="{54C7C954-94B6-BCA6-7F69-86048D7FC9BB}"/>
+                <a16:creationId xmlns:a16="http://schemas.microsoft.com/office/drawing/2014/main" id="{54C7C954-94B6-BCA6-7F69-86048D7FC9BB}"/>
               </a:ext>
             </a:extLst>
           </p:cNvPr>
@@ -1844,7 +1843,7 @@
           <a:p>
             <a:fld id="{1F38B5EB-E661-40A1-A753-2118D6E3CDA9}" type="datetimeFigureOut">
               <a:rPr lang="en-US" smtClean="0"/>
-              <a:t>01-Nov-23</a:t>
+              <a:t>11/9/2024</a:t>
             </a:fld>
             <a:endParaRPr lang="en-US"/>
           </a:p>
@@ -1855,7 +1854,7 @@
           <p:cNvPr id="5" name="Footer Placeholder 4">
             <a:extLst>
               <a:ext uri="{FF2B5EF4-FFF2-40B4-BE49-F238E27FC236}">
-                <a16:creationId xmlns:a16="http://schemas.microsoft.com/office/drawing/2014/main" xmlns="" id="{683E41DD-EBCA-665B-C882-AF80E53F7B14}"/>
+                <a16:creationId xmlns:a16="http://schemas.microsoft.com/office/drawing/2014/main" id="{683E41DD-EBCA-665B-C882-AF80E53F7B14}"/>
               </a:ext>
             </a:extLst>
           </p:cNvPr>
@@ -1880,7 +1879,7 @@
           <p:cNvPr id="6" name="Slide Number Placeholder 5">
             <a:extLst>
               <a:ext uri="{FF2B5EF4-FFF2-40B4-BE49-F238E27FC236}">
-                <a16:creationId xmlns:a16="http://schemas.microsoft.com/office/drawing/2014/main" xmlns="" id="{DDD77CB5-A0EB-303F-2A00-360042448C08}"/>
+                <a16:creationId xmlns:a16="http://schemas.microsoft.com/office/drawing/2014/main" id="{DDD77CB5-A0EB-303F-2A00-360042448C08}"/>
               </a:ext>
             </a:extLst>
           </p:cNvPr>
@@ -1939,7 +1938,7 @@
           <p:cNvPr id="2" name="Title 1">
             <a:extLst>
               <a:ext uri="{FF2B5EF4-FFF2-40B4-BE49-F238E27FC236}">
-                <a16:creationId xmlns:a16="http://schemas.microsoft.com/office/drawing/2014/main" xmlns="" id="{89A93532-860F-2946-DE35-2A48545F607B}"/>
+                <a16:creationId xmlns:a16="http://schemas.microsoft.com/office/drawing/2014/main" id="{89A93532-860F-2946-DE35-2A48545F607B}"/>
               </a:ext>
             </a:extLst>
           </p:cNvPr>
@@ -1976,7 +1975,7 @@
           <p:cNvPr id="3" name="Text Placeholder 2">
             <a:extLst>
               <a:ext uri="{FF2B5EF4-FFF2-40B4-BE49-F238E27FC236}">
-                <a16:creationId xmlns:a16="http://schemas.microsoft.com/office/drawing/2014/main" xmlns="" id="{D56FF30B-8CF3-F1E3-2132-3E58121EF996}"/>
+                <a16:creationId xmlns:a16="http://schemas.microsoft.com/office/drawing/2014/main" id="{D56FF30B-8CF3-F1E3-2132-3E58121EF996}"/>
               </a:ext>
             </a:extLst>
           </p:cNvPr>
@@ -2101,7 +2100,7 @@
           <p:cNvPr id="4" name="Date Placeholder 3">
             <a:extLst>
               <a:ext uri="{FF2B5EF4-FFF2-40B4-BE49-F238E27FC236}">
-                <a16:creationId xmlns:a16="http://schemas.microsoft.com/office/drawing/2014/main" xmlns="" id="{5B34B2CF-032D-5BD3-91DF-7CABB2971DF3}"/>
+                <a16:creationId xmlns:a16="http://schemas.microsoft.com/office/drawing/2014/main" id="{5B34B2CF-032D-5BD3-91DF-7CABB2971DF3}"/>
               </a:ext>
             </a:extLst>
           </p:cNvPr>
@@ -2119,7 +2118,7 @@
           <a:p>
             <a:fld id="{1F38B5EB-E661-40A1-A753-2118D6E3CDA9}" type="datetimeFigureOut">
               <a:rPr lang="en-US" smtClean="0"/>
-              <a:t>01-Nov-23</a:t>
+              <a:t>11/9/2024</a:t>
             </a:fld>
             <a:endParaRPr lang="en-US"/>
           </a:p>
@@ -2130,7 +2129,7 @@
           <p:cNvPr id="5" name="Footer Placeholder 4">
             <a:extLst>
               <a:ext uri="{FF2B5EF4-FFF2-40B4-BE49-F238E27FC236}">
-                <a16:creationId xmlns:a16="http://schemas.microsoft.com/office/drawing/2014/main" xmlns="" id="{47126819-61B7-E0C3-CF94-506F7554AAEB}"/>
+                <a16:creationId xmlns:a16="http://schemas.microsoft.com/office/drawing/2014/main" id="{47126819-61B7-E0C3-CF94-506F7554AAEB}"/>
               </a:ext>
             </a:extLst>
           </p:cNvPr>
@@ -2155,7 +2154,7 @@
           <p:cNvPr id="6" name="Slide Number Placeholder 5">
             <a:extLst>
               <a:ext uri="{FF2B5EF4-FFF2-40B4-BE49-F238E27FC236}">
-                <a16:creationId xmlns:a16="http://schemas.microsoft.com/office/drawing/2014/main" xmlns="" id="{76FA1B24-B75C-AF68-978C-E4675A5C4A2F}"/>
+                <a16:creationId xmlns:a16="http://schemas.microsoft.com/office/drawing/2014/main" id="{76FA1B24-B75C-AF68-978C-E4675A5C4A2F}"/>
               </a:ext>
             </a:extLst>
           </p:cNvPr>
@@ -2214,7 +2213,7 @@
           <p:cNvPr id="2" name="Title 1">
             <a:extLst>
               <a:ext uri="{FF2B5EF4-FFF2-40B4-BE49-F238E27FC236}">
-                <a16:creationId xmlns:a16="http://schemas.microsoft.com/office/drawing/2014/main" xmlns="" id="{ED01606D-199C-9E5F-95E4-62D5F76A6FDE}"/>
+                <a16:creationId xmlns:a16="http://schemas.microsoft.com/office/drawing/2014/main" id="{ED01606D-199C-9E5F-95E4-62D5F76A6FDE}"/>
               </a:ext>
             </a:extLst>
           </p:cNvPr>
@@ -2242,7 +2241,7 @@
           <p:cNvPr id="3" name="Content Placeholder 2">
             <a:extLst>
               <a:ext uri="{FF2B5EF4-FFF2-40B4-BE49-F238E27FC236}">
-                <a16:creationId xmlns:a16="http://schemas.microsoft.com/office/drawing/2014/main" xmlns="" id="{01044D49-044E-6125-1F8F-50B99819E8F8}"/>
+                <a16:creationId xmlns:a16="http://schemas.microsoft.com/office/drawing/2014/main" id="{01044D49-044E-6125-1F8F-50B99819E8F8}"/>
               </a:ext>
             </a:extLst>
           </p:cNvPr>
@@ -2304,7 +2303,7 @@
           <p:cNvPr id="4" name="Content Placeholder 3">
             <a:extLst>
               <a:ext uri="{FF2B5EF4-FFF2-40B4-BE49-F238E27FC236}">
-                <a16:creationId xmlns:a16="http://schemas.microsoft.com/office/drawing/2014/main" xmlns="" id="{BA3EBF0E-FE2B-463D-5539-028BDFE287C1}"/>
+                <a16:creationId xmlns:a16="http://schemas.microsoft.com/office/drawing/2014/main" id="{BA3EBF0E-FE2B-463D-5539-028BDFE287C1}"/>
               </a:ext>
             </a:extLst>
           </p:cNvPr>
@@ -2366,7 +2365,7 @@
           <p:cNvPr id="5" name="Date Placeholder 4">
             <a:extLst>
               <a:ext uri="{FF2B5EF4-FFF2-40B4-BE49-F238E27FC236}">
-                <a16:creationId xmlns:a16="http://schemas.microsoft.com/office/drawing/2014/main" xmlns="" id="{9295B03F-F67E-C927-B6CB-D5530DEB4FFE}"/>
+                <a16:creationId xmlns:a16="http://schemas.microsoft.com/office/drawing/2014/main" id="{9295B03F-F67E-C927-B6CB-D5530DEB4FFE}"/>
               </a:ext>
             </a:extLst>
           </p:cNvPr>
@@ -2384,7 +2383,7 @@
           <a:p>
             <a:fld id="{1F38B5EB-E661-40A1-A753-2118D6E3CDA9}" type="datetimeFigureOut">
               <a:rPr lang="en-US" smtClean="0"/>
-              <a:t>01-Nov-23</a:t>
+              <a:t>11/9/2024</a:t>
             </a:fld>
             <a:endParaRPr lang="en-US"/>
           </a:p>
@@ -2395,7 +2394,7 @@
           <p:cNvPr id="6" name="Footer Placeholder 5">
             <a:extLst>
               <a:ext uri="{FF2B5EF4-FFF2-40B4-BE49-F238E27FC236}">
-                <a16:creationId xmlns:a16="http://schemas.microsoft.com/office/drawing/2014/main" xmlns="" id="{B867DBF1-757C-E3EE-C49C-BBDA3FB437A9}"/>
+                <a16:creationId xmlns:a16="http://schemas.microsoft.com/office/drawing/2014/main" id="{B867DBF1-757C-E3EE-C49C-BBDA3FB437A9}"/>
               </a:ext>
             </a:extLst>
           </p:cNvPr>
@@ -2420,7 +2419,7 @@
           <p:cNvPr id="7" name="Slide Number Placeholder 6">
             <a:extLst>
               <a:ext uri="{FF2B5EF4-FFF2-40B4-BE49-F238E27FC236}">
-                <a16:creationId xmlns:a16="http://schemas.microsoft.com/office/drawing/2014/main" xmlns="" id="{549795EA-B619-ECEB-E75B-2D6C00D0E0AF}"/>
+                <a16:creationId xmlns:a16="http://schemas.microsoft.com/office/drawing/2014/main" id="{549795EA-B619-ECEB-E75B-2D6C00D0E0AF}"/>
               </a:ext>
             </a:extLst>
           </p:cNvPr>
@@ -2479,7 +2478,7 @@
           <p:cNvPr id="2" name="Title 1">
             <a:extLst>
               <a:ext uri="{FF2B5EF4-FFF2-40B4-BE49-F238E27FC236}">
-                <a16:creationId xmlns:a16="http://schemas.microsoft.com/office/drawing/2014/main" xmlns="" id="{9028D7C1-67DC-B47E-B08C-D4111A7F4D28}"/>
+                <a16:creationId xmlns:a16="http://schemas.microsoft.com/office/drawing/2014/main" id="{9028D7C1-67DC-B47E-B08C-D4111A7F4D28}"/>
               </a:ext>
             </a:extLst>
           </p:cNvPr>
@@ -2512,7 +2511,7 @@
           <p:cNvPr id="3" name="Text Placeholder 2">
             <a:extLst>
               <a:ext uri="{FF2B5EF4-FFF2-40B4-BE49-F238E27FC236}">
-                <a16:creationId xmlns:a16="http://schemas.microsoft.com/office/drawing/2014/main" xmlns="" id="{759E5E81-1775-57EC-3DF0-D9579F2F2B50}"/>
+                <a16:creationId xmlns:a16="http://schemas.microsoft.com/office/drawing/2014/main" id="{759E5E81-1775-57EC-3DF0-D9579F2F2B50}"/>
               </a:ext>
             </a:extLst>
           </p:cNvPr>
@@ -2583,7 +2582,7 @@
           <p:cNvPr id="4" name="Content Placeholder 3">
             <a:extLst>
               <a:ext uri="{FF2B5EF4-FFF2-40B4-BE49-F238E27FC236}">
-                <a16:creationId xmlns:a16="http://schemas.microsoft.com/office/drawing/2014/main" xmlns="" id="{62ECBFEF-7AA0-7D30-641A-2C75AE938803}"/>
+                <a16:creationId xmlns:a16="http://schemas.microsoft.com/office/drawing/2014/main" id="{62ECBFEF-7AA0-7D30-641A-2C75AE938803}"/>
               </a:ext>
             </a:extLst>
           </p:cNvPr>
@@ -2645,7 +2644,7 @@
           <p:cNvPr id="5" name="Text Placeholder 4">
             <a:extLst>
               <a:ext uri="{FF2B5EF4-FFF2-40B4-BE49-F238E27FC236}">
-                <a16:creationId xmlns:a16="http://schemas.microsoft.com/office/drawing/2014/main" xmlns="" id="{A3AF69BD-930D-DB93-D5DC-9AE3DC8EBAEE}"/>
+                <a16:creationId xmlns:a16="http://schemas.microsoft.com/office/drawing/2014/main" id="{A3AF69BD-930D-DB93-D5DC-9AE3DC8EBAEE}"/>
               </a:ext>
             </a:extLst>
           </p:cNvPr>
@@ -2716,7 +2715,7 @@
           <p:cNvPr id="6" name="Content Placeholder 5">
             <a:extLst>
               <a:ext uri="{FF2B5EF4-FFF2-40B4-BE49-F238E27FC236}">
-                <a16:creationId xmlns:a16="http://schemas.microsoft.com/office/drawing/2014/main" xmlns="" id="{E7D7AE59-2B55-FF88-A977-1FBEE270CF50}"/>
+                <a16:creationId xmlns:a16="http://schemas.microsoft.com/office/drawing/2014/main" id="{E7D7AE59-2B55-FF88-A977-1FBEE270CF50}"/>
               </a:ext>
             </a:extLst>
           </p:cNvPr>
@@ -2778,7 +2777,7 @@
           <p:cNvPr id="7" name="Date Placeholder 6">
             <a:extLst>
               <a:ext uri="{FF2B5EF4-FFF2-40B4-BE49-F238E27FC236}">
-                <a16:creationId xmlns:a16="http://schemas.microsoft.com/office/drawing/2014/main" xmlns="" id="{213ABDB5-058F-CD20-713B-DE08505039FC}"/>
+                <a16:creationId xmlns:a16="http://schemas.microsoft.com/office/drawing/2014/main" id="{213ABDB5-058F-CD20-713B-DE08505039FC}"/>
               </a:ext>
             </a:extLst>
           </p:cNvPr>
@@ -2796,7 +2795,7 @@
           <a:p>
             <a:fld id="{1F38B5EB-E661-40A1-A753-2118D6E3CDA9}" type="datetimeFigureOut">
               <a:rPr lang="en-US" smtClean="0"/>
-              <a:t>01-Nov-23</a:t>
+              <a:t>11/9/2024</a:t>
             </a:fld>
             <a:endParaRPr lang="en-US"/>
           </a:p>
@@ -2807,7 +2806,7 @@
           <p:cNvPr id="8" name="Footer Placeholder 7">
             <a:extLst>
               <a:ext uri="{FF2B5EF4-FFF2-40B4-BE49-F238E27FC236}">
-                <a16:creationId xmlns:a16="http://schemas.microsoft.com/office/drawing/2014/main" xmlns="" id="{7A462824-B0B1-1C43-45E1-BAE34E8E8FD2}"/>
+                <a16:creationId xmlns:a16="http://schemas.microsoft.com/office/drawing/2014/main" id="{7A462824-B0B1-1C43-45E1-BAE34E8E8FD2}"/>
               </a:ext>
             </a:extLst>
           </p:cNvPr>
@@ -2832,7 +2831,7 @@
           <p:cNvPr id="9" name="Slide Number Placeholder 8">
             <a:extLst>
               <a:ext uri="{FF2B5EF4-FFF2-40B4-BE49-F238E27FC236}">
-                <a16:creationId xmlns:a16="http://schemas.microsoft.com/office/drawing/2014/main" xmlns="" id="{80E98467-9C3D-B7CF-6153-C4D96AAF4F9E}"/>
+                <a16:creationId xmlns:a16="http://schemas.microsoft.com/office/drawing/2014/main" id="{80E98467-9C3D-B7CF-6153-C4D96AAF4F9E}"/>
               </a:ext>
             </a:extLst>
           </p:cNvPr>
@@ -2891,7 +2890,7 @@
           <p:cNvPr id="2" name="Title 1">
             <a:extLst>
               <a:ext uri="{FF2B5EF4-FFF2-40B4-BE49-F238E27FC236}">
-                <a16:creationId xmlns:a16="http://schemas.microsoft.com/office/drawing/2014/main" xmlns="" id="{1C4485EF-0997-EC2E-88CE-ECE041F3C9B0}"/>
+                <a16:creationId xmlns:a16="http://schemas.microsoft.com/office/drawing/2014/main" id="{1C4485EF-0997-EC2E-88CE-ECE041F3C9B0}"/>
               </a:ext>
             </a:extLst>
           </p:cNvPr>
@@ -2919,7 +2918,7 @@
           <p:cNvPr id="3" name="Date Placeholder 2">
             <a:extLst>
               <a:ext uri="{FF2B5EF4-FFF2-40B4-BE49-F238E27FC236}">
-                <a16:creationId xmlns:a16="http://schemas.microsoft.com/office/drawing/2014/main" xmlns="" id="{4802B737-5232-D241-97F9-664C81D0EDA6}"/>
+                <a16:creationId xmlns:a16="http://schemas.microsoft.com/office/drawing/2014/main" id="{4802B737-5232-D241-97F9-664C81D0EDA6}"/>
               </a:ext>
             </a:extLst>
           </p:cNvPr>
@@ -2937,7 +2936,7 @@
           <a:p>
             <a:fld id="{1F38B5EB-E661-40A1-A753-2118D6E3CDA9}" type="datetimeFigureOut">
               <a:rPr lang="en-US" smtClean="0"/>
-              <a:t>01-Nov-23</a:t>
+              <a:t>11/9/2024</a:t>
             </a:fld>
             <a:endParaRPr lang="en-US"/>
           </a:p>
@@ -2948,7 +2947,7 @@
           <p:cNvPr id="4" name="Footer Placeholder 3">
             <a:extLst>
               <a:ext uri="{FF2B5EF4-FFF2-40B4-BE49-F238E27FC236}">
-                <a16:creationId xmlns:a16="http://schemas.microsoft.com/office/drawing/2014/main" xmlns="" id="{22C23243-E072-3EAC-0994-D2ED0DF9BFB2}"/>
+                <a16:creationId xmlns:a16="http://schemas.microsoft.com/office/drawing/2014/main" id="{22C23243-E072-3EAC-0994-D2ED0DF9BFB2}"/>
               </a:ext>
             </a:extLst>
           </p:cNvPr>
@@ -2973,7 +2972,7 @@
           <p:cNvPr id="5" name="Slide Number Placeholder 4">
             <a:extLst>
               <a:ext uri="{FF2B5EF4-FFF2-40B4-BE49-F238E27FC236}">
-                <a16:creationId xmlns:a16="http://schemas.microsoft.com/office/drawing/2014/main" xmlns="" id="{E3645390-4450-0842-90CC-5F8DE4396F9D}"/>
+                <a16:creationId xmlns:a16="http://schemas.microsoft.com/office/drawing/2014/main" id="{E3645390-4450-0842-90CC-5F8DE4396F9D}"/>
               </a:ext>
             </a:extLst>
           </p:cNvPr>
@@ -3032,7 +3031,7 @@
           <p:cNvPr id="2" name="Date Placeholder 1">
             <a:extLst>
               <a:ext uri="{FF2B5EF4-FFF2-40B4-BE49-F238E27FC236}">
-                <a16:creationId xmlns:a16="http://schemas.microsoft.com/office/drawing/2014/main" xmlns="" id="{607DD62C-B4EE-5431-EB3B-B5CC1EB572D2}"/>
+                <a16:creationId xmlns:a16="http://schemas.microsoft.com/office/drawing/2014/main" id="{607DD62C-B4EE-5431-EB3B-B5CC1EB572D2}"/>
               </a:ext>
             </a:extLst>
           </p:cNvPr>
@@ -3050,7 +3049,7 @@
           <a:p>
             <a:fld id="{1F38B5EB-E661-40A1-A753-2118D6E3CDA9}" type="datetimeFigureOut">
               <a:rPr lang="en-US" smtClean="0"/>
-              <a:t>01-Nov-23</a:t>
+              <a:t>11/9/2024</a:t>
             </a:fld>
             <a:endParaRPr lang="en-US"/>
           </a:p>
@@ -3061,7 +3060,7 @@
           <p:cNvPr id="3" name="Footer Placeholder 2">
             <a:extLst>
               <a:ext uri="{FF2B5EF4-FFF2-40B4-BE49-F238E27FC236}">
-                <a16:creationId xmlns:a16="http://schemas.microsoft.com/office/drawing/2014/main" xmlns="" id="{C349ADA6-CCF4-ABBF-7FF7-76701AF0ABAD}"/>
+                <a16:creationId xmlns:a16="http://schemas.microsoft.com/office/drawing/2014/main" id="{C349ADA6-CCF4-ABBF-7FF7-76701AF0ABAD}"/>
               </a:ext>
             </a:extLst>
           </p:cNvPr>
@@ -3086,7 +3085,7 @@
           <p:cNvPr id="4" name="Slide Number Placeholder 3">
             <a:extLst>
               <a:ext uri="{FF2B5EF4-FFF2-40B4-BE49-F238E27FC236}">
-                <a16:creationId xmlns:a16="http://schemas.microsoft.com/office/drawing/2014/main" xmlns="" id="{A886D616-415D-1DB8-ED62-C4A695E1295B}"/>
+                <a16:creationId xmlns:a16="http://schemas.microsoft.com/office/drawing/2014/main" id="{A886D616-415D-1DB8-ED62-C4A695E1295B}"/>
               </a:ext>
             </a:extLst>
           </p:cNvPr>
@@ -3145,7 +3144,7 @@
           <p:cNvPr id="2" name="Title 1">
             <a:extLst>
               <a:ext uri="{FF2B5EF4-FFF2-40B4-BE49-F238E27FC236}">
-                <a16:creationId xmlns:a16="http://schemas.microsoft.com/office/drawing/2014/main" xmlns="" id="{470A4AFC-BAFB-8845-E1F6-B32E94F27D76}"/>
+                <a16:creationId xmlns:a16="http://schemas.microsoft.com/office/drawing/2014/main" id="{470A4AFC-BAFB-8845-E1F6-B32E94F27D76}"/>
               </a:ext>
             </a:extLst>
           </p:cNvPr>
@@ -3182,7 +3181,7 @@
           <p:cNvPr id="3" name="Content Placeholder 2">
             <a:extLst>
               <a:ext uri="{FF2B5EF4-FFF2-40B4-BE49-F238E27FC236}">
-                <a16:creationId xmlns:a16="http://schemas.microsoft.com/office/drawing/2014/main" xmlns="" id="{D67E421F-5B26-F51E-6538-236A4C60FC5C}"/>
+                <a16:creationId xmlns:a16="http://schemas.microsoft.com/office/drawing/2014/main" id="{D67E421F-5B26-F51E-6538-236A4C60FC5C}"/>
               </a:ext>
             </a:extLst>
           </p:cNvPr>
@@ -3272,7 +3271,7 @@
           <p:cNvPr id="4" name="Text Placeholder 3">
             <a:extLst>
               <a:ext uri="{FF2B5EF4-FFF2-40B4-BE49-F238E27FC236}">
-                <a16:creationId xmlns:a16="http://schemas.microsoft.com/office/drawing/2014/main" xmlns="" id="{7F603222-6451-56B1-551A-C887EE8FA752}"/>
+                <a16:creationId xmlns:a16="http://schemas.microsoft.com/office/drawing/2014/main" id="{7F603222-6451-56B1-551A-C887EE8FA752}"/>
               </a:ext>
             </a:extLst>
           </p:cNvPr>
@@ -3343,7 +3342,7 @@
           <p:cNvPr id="5" name="Date Placeholder 4">
             <a:extLst>
               <a:ext uri="{FF2B5EF4-FFF2-40B4-BE49-F238E27FC236}">
-                <a16:creationId xmlns:a16="http://schemas.microsoft.com/office/drawing/2014/main" xmlns="" id="{7831FAF1-91A4-259B-D735-9BFD6ACEC020}"/>
+                <a16:creationId xmlns:a16="http://schemas.microsoft.com/office/drawing/2014/main" id="{7831FAF1-91A4-259B-D735-9BFD6ACEC020}"/>
               </a:ext>
             </a:extLst>
           </p:cNvPr>
@@ -3361,7 +3360,7 @@
           <a:p>
             <a:fld id="{1F38B5EB-E661-40A1-A753-2118D6E3CDA9}" type="datetimeFigureOut">
               <a:rPr lang="en-US" smtClean="0"/>
-              <a:t>01-Nov-23</a:t>
+              <a:t>11/9/2024</a:t>
             </a:fld>
             <a:endParaRPr lang="en-US"/>
           </a:p>
@@ -3372,7 +3371,7 @@
           <p:cNvPr id="6" name="Footer Placeholder 5">
             <a:extLst>
               <a:ext uri="{FF2B5EF4-FFF2-40B4-BE49-F238E27FC236}">
-                <a16:creationId xmlns:a16="http://schemas.microsoft.com/office/drawing/2014/main" xmlns="" id="{651B0125-E733-3E1D-D789-40CDE62F75FE}"/>
+                <a16:creationId xmlns:a16="http://schemas.microsoft.com/office/drawing/2014/main" id="{651B0125-E733-3E1D-D789-40CDE62F75FE}"/>
               </a:ext>
             </a:extLst>
           </p:cNvPr>
@@ -3397,7 +3396,7 @@
           <p:cNvPr id="7" name="Slide Number Placeholder 6">
             <a:extLst>
               <a:ext uri="{FF2B5EF4-FFF2-40B4-BE49-F238E27FC236}">
-                <a16:creationId xmlns:a16="http://schemas.microsoft.com/office/drawing/2014/main" xmlns="" id="{61461DAD-637F-7D90-D37F-C1FE75AF377C}"/>
+                <a16:creationId xmlns:a16="http://schemas.microsoft.com/office/drawing/2014/main" id="{61461DAD-637F-7D90-D37F-C1FE75AF377C}"/>
               </a:ext>
             </a:extLst>
           </p:cNvPr>
@@ -3456,7 +3455,7 @@
           <p:cNvPr id="2" name="Title 1">
             <a:extLst>
               <a:ext uri="{FF2B5EF4-FFF2-40B4-BE49-F238E27FC236}">
-                <a16:creationId xmlns:a16="http://schemas.microsoft.com/office/drawing/2014/main" xmlns="" id="{8E650F5F-98FA-8E29-F7E3-92671347B152}"/>
+                <a16:creationId xmlns:a16="http://schemas.microsoft.com/office/drawing/2014/main" id="{8E650F5F-98FA-8E29-F7E3-92671347B152}"/>
               </a:ext>
             </a:extLst>
           </p:cNvPr>
@@ -3493,7 +3492,7 @@
           <p:cNvPr id="3" name="Picture Placeholder 2">
             <a:extLst>
               <a:ext uri="{FF2B5EF4-FFF2-40B4-BE49-F238E27FC236}">
-                <a16:creationId xmlns:a16="http://schemas.microsoft.com/office/drawing/2014/main" xmlns="" id="{EF9B5D18-9E16-59B2-9105-D153887FBAF4}"/>
+                <a16:creationId xmlns:a16="http://schemas.microsoft.com/office/drawing/2014/main" id="{EF9B5D18-9E16-59B2-9105-D153887FBAF4}"/>
               </a:ext>
             </a:extLst>
           </p:cNvPr>
@@ -3560,7 +3559,7 @@
           <p:cNvPr id="4" name="Text Placeholder 3">
             <a:extLst>
               <a:ext uri="{FF2B5EF4-FFF2-40B4-BE49-F238E27FC236}">
-                <a16:creationId xmlns:a16="http://schemas.microsoft.com/office/drawing/2014/main" xmlns="" id="{1A07B863-9BDF-26B7-8900-77F07F33682B}"/>
+                <a16:creationId xmlns:a16="http://schemas.microsoft.com/office/drawing/2014/main" id="{1A07B863-9BDF-26B7-8900-77F07F33682B}"/>
               </a:ext>
             </a:extLst>
           </p:cNvPr>
@@ -3631,7 +3630,7 @@
           <p:cNvPr id="5" name="Date Placeholder 4">
             <a:extLst>
               <a:ext uri="{FF2B5EF4-FFF2-40B4-BE49-F238E27FC236}">
-                <a16:creationId xmlns:a16="http://schemas.microsoft.com/office/drawing/2014/main" xmlns="" id="{33B01D1A-B0F1-3025-383F-A3A188DC48B2}"/>
+                <a16:creationId xmlns:a16="http://schemas.microsoft.com/office/drawing/2014/main" id="{33B01D1A-B0F1-3025-383F-A3A188DC48B2}"/>
               </a:ext>
             </a:extLst>
           </p:cNvPr>
@@ -3649,7 +3648,7 @@
           <a:p>
             <a:fld id="{1F38B5EB-E661-40A1-A753-2118D6E3CDA9}" type="datetimeFigureOut">
               <a:rPr lang="en-US" smtClean="0"/>
-              <a:t>01-Nov-23</a:t>
+              <a:t>11/9/2024</a:t>
             </a:fld>
             <a:endParaRPr lang="en-US"/>
           </a:p>
@@ -3660,7 +3659,7 @@
           <p:cNvPr id="6" name="Footer Placeholder 5">
             <a:extLst>
               <a:ext uri="{FF2B5EF4-FFF2-40B4-BE49-F238E27FC236}">
-                <a16:creationId xmlns:a16="http://schemas.microsoft.com/office/drawing/2014/main" xmlns="" id="{0FFB6EDA-5342-9A0C-A7B6-BFED9CD113BA}"/>
+                <a16:creationId xmlns:a16="http://schemas.microsoft.com/office/drawing/2014/main" id="{0FFB6EDA-5342-9A0C-A7B6-BFED9CD113BA}"/>
               </a:ext>
             </a:extLst>
           </p:cNvPr>
@@ -3685,7 +3684,7 @@
           <p:cNvPr id="7" name="Slide Number Placeholder 6">
             <a:extLst>
               <a:ext uri="{FF2B5EF4-FFF2-40B4-BE49-F238E27FC236}">
-                <a16:creationId xmlns:a16="http://schemas.microsoft.com/office/drawing/2014/main" xmlns="" id="{F2A7DB7D-2A3D-31D5-E9E4-706E0217D08E}"/>
+                <a16:creationId xmlns:a16="http://schemas.microsoft.com/office/drawing/2014/main" id="{F2A7DB7D-2A3D-31D5-E9E4-706E0217D08E}"/>
               </a:ext>
             </a:extLst>
           </p:cNvPr>
@@ -3749,7 +3748,7 @@
           <p:cNvPr id="2" name="Title Placeholder 1">
             <a:extLst>
               <a:ext uri="{FF2B5EF4-FFF2-40B4-BE49-F238E27FC236}">
-                <a16:creationId xmlns:a16="http://schemas.microsoft.com/office/drawing/2014/main" xmlns="" id="{08F5F9D8-5F70-CB05-4B2B-DC55E3D742F4}"/>
+                <a16:creationId xmlns:a16="http://schemas.microsoft.com/office/drawing/2014/main" id="{08F5F9D8-5F70-CB05-4B2B-DC55E3D742F4}"/>
               </a:ext>
             </a:extLst>
           </p:cNvPr>
@@ -3787,7 +3786,7 @@
           <p:cNvPr id="3" name="Text Placeholder 2">
             <a:extLst>
               <a:ext uri="{FF2B5EF4-FFF2-40B4-BE49-F238E27FC236}">
-                <a16:creationId xmlns:a16="http://schemas.microsoft.com/office/drawing/2014/main" xmlns="" id="{7DFE3C81-82FC-CD1C-694D-6308B0B1762D}"/>
+                <a16:creationId xmlns:a16="http://schemas.microsoft.com/office/drawing/2014/main" id="{7DFE3C81-82FC-CD1C-694D-6308B0B1762D}"/>
               </a:ext>
             </a:extLst>
           </p:cNvPr>
@@ -3854,7 +3853,7 @@
           <p:cNvPr id="4" name="Date Placeholder 3">
             <a:extLst>
               <a:ext uri="{FF2B5EF4-FFF2-40B4-BE49-F238E27FC236}">
-                <a16:creationId xmlns:a16="http://schemas.microsoft.com/office/drawing/2014/main" xmlns="" id="{A214FB46-4862-9840-2AC6-5458A4F5DB5E}"/>
+                <a16:creationId xmlns:a16="http://schemas.microsoft.com/office/drawing/2014/main" id="{A214FB46-4862-9840-2AC6-5458A4F5DB5E}"/>
               </a:ext>
             </a:extLst>
           </p:cNvPr>
@@ -3890,7 +3889,7 @@
           <a:p>
             <a:fld id="{1F38B5EB-E661-40A1-A753-2118D6E3CDA9}" type="datetimeFigureOut">
               <a:rPr lang="en-US" smtClean="0"/>
-              <a:t>01-Nov-23</a:t>
+              <a:t>11/9/2024</a:t>
             </a:fld>
             <a:endParaRPr lang="en-US"/>
           </a:p>
@@ -3901,7 +3900,7 @@
           <p:cNvPr id="5" name="Footer Placeholder 4">
             <a:extLst>
               <a:ext uri="{FF2B5EF4-FFF2-40B4-BE49-F238E27FC236}">
-                <a16:creationId xmlns:a16="http://schemas.microsoft.com/office/drawing/2014/main" xmlns="" id="{EC834C17-058D-A053-3A77-3B6BA4C83C0C}"/>
+                <a16:creationId xmlns:a16="http://schemas.microsoft.com/office/drawing/2014/main" id="{EC834C17-058D-A053-3A77-3B6BA4C83C0C}"/>
               </a:ext>
             </a:extLst>
           </p:cNvPr>
@@ -3944,7 +3943,7 @@
           <p:cNvPr id="6" name="Slide Number Placeholder 5">
             <a:extLst>
               <a:ext uri="{FF2B5EF4-FFF2-40B4-BE49-F238E27FC236}">
-                <a16:creationId xmlns:a16="http://schemas.microsoft.com/office/drawing/2014/main" xmlns="" id="{A13DC0DD-8301-4833-8CA3-37B4BB86D578}"/>
+                <a16:creationId xmlns:a16="http://schemas.microsoft.com/office/drawing/2014/main" id="{A13DC0DD-8301-4833-8CA3-37B4BB86D578}"/>
               </a:ext>
             </a:extLst>
           </p:cNvPr>
@@ -4312,7 +4311,7 @@
           <p:cNvPr id="6" name="Title 5">
             <a:extLst>
               <a:ext uri="{FF2B5EF4-FFF2-40B4-BE49-F238E27FC236}">
-                <a16:creationId xmlns:a16="http://schemas.microsoft.com/office/drawing/2014/main" xmlns="" id="{B055D263-D347-8D9A-E88E-8794B81F34F7}"/>
+                <a16:creationId xmlns:a16="http://schemas.microsoft.com/office/drawing/2014/main" id="{B055D263-D347-8D9A-E88E-8794B81F34F7}"/>
               </a:ext>
             </a:extLst>
           </p:cNvPr>
@@ -4346,150 +4345,10 @@
               <a:rPr lang="en-US" sz="4000" dirty="0"/>
               <a:t>Learning</a:t>
             </a:r>
-            <a:r>
-              <a:rPr lang="en-US" dirty="0"/>
-              <a:t/>
-            </a:r>
             <a:br>
               <a:rPr lang="en-US" dirty="0"/>
             </a:br>
             <a:endParaRPr lang="en-US" dirty="0"/>
-          </a:p>
-        </p:txBody>
-      </p:sp>
-      <p:sp>
-        <p:nvSpPr>
-          <p:cNvPr id="7" name="Subtitle 6">
-            <a:extLst>
-              <a:ext uri="{FF2B5EF4-FFF2-40B4-BE49-F238E27FC236}">
-                <a16:creationId xmlns:a16="http://schemas.microsoft.com/office/drawing/2014/main" xmlns="" id="{C5455D1F-D8A4-E6B1-E17A-28C89F585869}"/>
-              </a:ext>
-            </a:extLst>
-          </p:cNvPr>
-          <p:cNvSpPr>
-            <a:spLocks noGrp="1"/>
-          </p:cNvSpPr>
-          <p:nvPr>
-            <p:ph type="subTitle" idx="1"/>
-          </p:nvPr>
-        </p:nvSpPr>
-        <p:spPr>
-          <a:xfrm>
-            <a:off x="1307183" y="3555548"/>
-            <a:ext cx="4905080" cy="2056516"/>
-          </a:xfrm>
-        </p:spPr>
-        <p:txBody>
-          <a:bodyPr>
-            <a:normAutofit/>
-          </a:bodyPr>
-          <a:lstStyle/>
-          <a:p>
-            <a:r>
-              <a:rPr lang="en-US" dirty="0"/>
-              <a:t/>
-            </a:r>
-            <a:br>
-              <a:rPr lang="en-US" dirty="0"/>
-            </a:br>
-            <a:r>
-              <a:rPr lang="en-US" b="1" dirty="0"/>
-              <a:t>Group:23</a:t>
-            </a:r>
-            <a:r>
-              <a:rPr lang="en-US" dirty="0"/>
-              <a:t/>
-            </a:r>
-            <a:br>
-              <a:rPr lang="en-US" dirty="0"/>
-            </a:br>
-            <a:r>
-              <a:rPr lang="en-US" sz="2000" dirty="0"/>
-              <a:t>Md. Shakil Hossain -2023</a:t>
-            </a:r>
-            <a:br>
-              <a:rPr lang="en-US" sz="2000" dirty="0"/>
-            </a:br>
-            <a:r>
-              <a:rPr lang="en-US" sz="2000" dirty="0" err="1"/>
-              <a:t>Mahabubur</a:t>
-            </a:r>
-            <a:r>
-              <a:rPr lang="en-US" sz="2000" dirty="0"/>
-              <a:t> Rahman-2024</a:t>
-            </a:r>
-            <a:br>
-              <a:rPr lang="en-US" sz="2000" dirty="0"/>
-            </a:br>
-            <a:r>
-              <a:rPr lang="en-US" sz="2000" dirty="0"/>
-              <a:t>Nahidul Islam-2028</a:t>
-            </a:r>
-            <a:endParaRPr lang="en-US" dirty="0"/>
-          </a:p>
-        </p:txBody>
-      </p:sp>
-      <p:sp>
-        <p:nvSpPr>
-          <p:cNvPr id="8" name="TextBox 7">
-            <a:extLst>
-              <a:ext uri="{FF2B5EF4-FFF2-40B4-BE49-F238E27FC236}">
-                <a16:creationId xmlns:a16="http://schemas.microsoft.com/office/drawing/2014/main" xmlns="" id="{FBFBF161-CE22-325C-47F5-221EA090B061}"/>
-              </a:ext>
-            </a:extLst>
-          </p:cNvPr>
-          <p:cNvSpPr txBox="1"/>
-          <p:nvPr/>
-        </p:nvSpPr>
-        <p:spPr>
-          <a:xfrm>
-            <a:off x="7249212" y="3829754"/>
-            <a:ext cx="3550763" cy="1508105"/>
-          </a:xfrm>
-          <a:prstGeom prst="rect">
-            <a:avLst/>
-          </a:prstGeom>
-          <a:noFill/>
-        </p:spPr>
-        <p:txBody>
-          <a:bodyPr wrap="square" rtlCol="0">
-            <a:spAutoFit/>
-          </a:bodyPr>
-          <a:lstStyle/>
-          <a:p>
-            <a:pPr algn="ctr"/>
-            <a:r>
-              <a:rPr lang="en-US" sz="2000" b="1" dirty="0"/>
-              <a:t>Supervisor</a:t>
-            </a:r>
-          </a:p>
-          <a:p>
-            <a:pPr algn="ctr"/>
-            <a:r>
-              <a:rPr lang="en-US" dirty="0"/>
-              <a:t>Md. Mahmudur Rahman</a:t>
-            </a:r>
-          </a:p>
-          <a:p>
-            <a:pPr algn="ctr"/>
-            <a:r>
-              <a:rPr lang="en-US" dirty="0"/>
-              <a:t>Lecturer</a:t>
-            </a:r>
-          </a:p>
-          <a:p>
-            <a:pPr algn="ctr"/>
-            <a:r>
-              <a:rPr lang="en-US" dirty="0"/>
-              <a:t>Institute of Information Technology</a:t>
-            </a:r>
-          </a:p>
-          <a:p>
-            <a:pPr algn="ctr"/>
-            <a:r>
-              <a:rPr lang="en-US" dirty="0"/>
-              <a:t>Jahangirnagar University</a:t>
-            </a:r>
           </a:p>
         </p:txBody>
       </p:sp>
@@ -4528,7 +4387,7 @@
           <p:cNvPr id="2" name="Title 1">
             <a:extLst>
               <a:ext uri="{FF2B5EF4-FFF2-40B4-BE49-F238E27FC236}">
-                <a16:creationId xmlns:a16="http://schemas.microsoft.com/office/drawing/2014/main" xmlns="" id="{49CC04AE-DC15-2E87-D995-63D27307F64E}"/>
+                <a16:creationId xmlns:a16="http://schemas.microsoft.com/office/drawing/2014/main" id="{49CC04AE-DC15-2E87-D995-63D27307F64E}"/>
               </a:ext>
             </a:extLst>
           </p:cNvPr>
@@ -4561,7 +4420,7 @@
           <p:cNvPr id="3" name="Content Placeholder 2">
             <a:extLst>
               <a:ext uri="{FF2B5EF4-FFF2-40B4-BE49-F238E27FC236}">
-                <a16:creationId xmlns:a16="http://schemas.microsoft.com/office/drawing/2014/main" xmlns="" id="{06FAFDCF-65EA-7F9C-7A3A-ACAE5235CB57}"/>
+                <a16:creationId xmlns:a16="http://schemas.microsoft.com/office/drawing/2014/main" id="{06FAFDCF-65EA-7F9C-7A3A-ACAE5235CB57}"/>
               </a:ext>
             </a:extLst>
           </p:cNvPr>
@@ -4609,7 +4468,7 @@
           <p:cNvPr id="5" name="Picture 4">
             <a:extLst>
               <a:ext uri="{FF2B5EF4-FFF2-40B4-BE49-F238E27FC236}">
-                <a16:creationId xmlns:a16="http://schemas.microsoft.com/office/drawing/2014/main" xmlns="" id="{409C2B37-07B3-C0AC-78EA-D276603DAF00}"/>
+                <a16:creationId xmlns:a16="http://schemas.microsoft.com/office/drawing/2014/main" id="{409C2B37-07B3-C0AC-78EA-D276603DAF00}"/>
               </a:ext>
             </a:extLst>
           </p:cNvPr>
@@ -4639,7 +4498,7 @@
           <p:cNvPr id="6" name="TextBox 5">
             <a:extLst>
               <a:ext uri="{FF2B5EF4-FFF2-40B4-BE49-F238E27FC236}">
-                <a16:creationId xmlns:a16="http://schemas.microsoft.com/office/drawing/2014/main" xmlns="" id="{62397BE7-7AD4-D849-6903-A497FFFA6112}"/>
+                <a16:creationId xmlns:a16="http://schemas.microsoft.com/office/drawing/2014/main" id="{62397BE7-7AD4-D849-6903-A497FFFA6112}"/>
               </a:ext>
             </a:extLst>
           </p:cNvPr>
@@ -4674,7 +4533,7 @@
           <p:cNvPr id="8" name="Picture 7">
             <a:extLst>
               <a:ext uri="{FF2B5EF4-FFF2-40B4-BE49-F238E27FC236}">
-                <a16:creationId xmlns:a16="http://schemas.microsoft.com/office/drawing/2014/main" xmlns="" id="{0BD50279-EB4B-2794-5509-6CE5A50F865F}"/>
+                <a16:creationId xmlns:a16="http://schemas.microsoft.com/office/drawing/2014/main" id="{0BD50279-EB4B-2794-5509-6CE5A50F865F}"/>
               </a:ext>
             </a:extLst>
           </p:cNvPr>
@@ -4734,7 +4593,7 @@
           <p:cNvPr id="2" name="Title 1">
             <a:extLst>
               <a:ext uri="{FF2B5EF4-FFF2-40B4-BE49-F238E27FC236}">
-                <a16:creationId xmlns:a16="http://schemas.microsoft.com/office/drawing/2014/main" xmlns="" id="{A10B2D91-8058-65E1-2ED3-6EC77257064D}"/>
+                <a16:creationId xmlns:a16="http://schemas.microsoft.com/office/drawing/2014/main" id="{A10B2D91-8058-65E1-2ED3-6EC77257064D}"/>
               </a:ext>
             </a:extLst>
           </p:cNvPr>
@@ -4767,7 +4626,7 @@
           <p:cNvPr id="3" name="Content Placeholder 2">
             <a:extLst>
               <a:ext uri="{FF2B5EF4-FFF2-40B4-BE49-F238E27FC236}">
-                <a16:creationId xmlns:a16="http://schemas.microsoft.com/office/drawing/2014/main" xmlns="" id="{345111F6-FA21-04D5-EE01-24107204BDBC}"/>
+                <a16:creationId xmlns:a16="http://schemas.microsoft.com/office/drawing/2014/main" id="{345111F6-FA21-04D5-EE01-24107204BDBC}"/>
               </a:ext>
             </a:extLst>
           </p:cNvPr>
@@ -4809,7 +4668,7 @@
           <p:cNvPr id="5" name="Picture 4">
             <a:extLst>
               <a:ext uri="{FF2B5EF4-FFF2-40B4-BE49-F238E27FC236}">
-                <a16:creationId xmlns:a16="http://schemas.microsoft.com/office/drawing/2014/main" xmlns="" id="{02780A4F-BE46-E6BA-1234-072B81E75B53}"/>
+                <a16:creationId xmlns:a16="http://schemas.microsoft.com/office/drawing/2014/main" id="{02780A4F-BE46-E6BA-1234-072B81E75B53}"/>
               </a:ext>
             </a:extLst>
           </p:cNvPr>
@@ -4869,7 +4728,7 @@
           <p:cNvPr id="2" name="Title 1">
             <a:extLst>
               <a:ext uri="{FF2B5EF4-FFF2-40B4-BE49-F238E27FC236}">
-                <a16:creationId xmlns:a16="http://schemas.microsoft.com/office/drawing/2014/main" xmlns="" id="{1A42020D-6A2A-E92E-456B-235EC50DB433}"/>
+                <a16:creationId xmlns:a16="http://schemas.microsoft.com/office/drawing/2014/main" id="{1A42020D-6A2A-E92E-456B-235EC50DB433}"/>
               </a:ext>
             </a:extLst>
           </p:cNvPr>
@@ -4902,7 +4761,7 @@
           <p:cNvPr id="5" name="Content Placeholder 4">
             <a:extLst>
               <a:ext uri="{FF2B5EF4-FFF2-40B4-BE49-F238E27FC236}">
-                <a16:creationId xmlns:a16="http://schemas.microsoft.com/office/drawing/2014/main" xmlns="" id="{47F579E1-656F-3BB0-7FE1-70C3C4A29AB9}"/>
+                <a16:creationId xmlns:a16="http://schemas.microsoft.com/office/drawing/2014/main" id="{47F579E1-656F-3BB0-7FE1-70C3C4A29AB9}"/>
               </a:ext>
             </a:extLst>
           </p:cNvPr>
@@ -4931,7 +4790,7 @@
           <p:cNvPr id="6" name="TextBox 5">
             <a:extLst>
               <a:ext uri="{FF2B5EF4-FFF2-40B4-BE49-F238E27FC236}">
-                <a16:creationId xmlns:a16="http://schemas.microsoft.com/office/drawing/2014/main" xmlns="" id="{05B2F998-88B3-D5AA-3B9A-701D7391DA56}"/>
+                <a16:creationId xmlns:a16="http://schemas.microsoft.com/office/drawing/2014/main" id="{05B2F998-88B3-D5AA-3B9A-701D7391DA56}"/>
               </a:ext>
             </a:extLst>
           </p:cNvPr>
@@ -4996,7 +4855,7 @@
           <p:cNvPr id="2" name="Title 1">
             <a:extLst>
               <a:ext uri="{FF2B5EF4-FFF2-40B4-BE49-F238E27FC236}">
-                <a16:creationId xmlns:a16="http://schemas.microsoft.com/office/drawing/2014/main" xmlns="" id="{1B5B3264-2E6C-EE32-555B-AA02FB3B6C14}"/>
+                <a16:creationId xmlns:a16="http://schemas.microsoft.com/office/drawing/2014/main" id="{1B5B3264-2E6C-EE32-555B-AA02FB3B6C14}"/>
               </a:ext>
             </a:extLst>
           </p:cNvPr>
@@ -5024,7 +4883,7 @@
           <p:cNvPr id="3" name="Content Placeholder 2">
             <a:extLst>
               <a:ext uri="{FF2B5EF4-FFF2-40B4-BE49-F238E27FC236}">
-                <a16:creationId xmlns:a16="http://schemas.microsoft.com/office/drawing/2014/main" xmlns="" id="{7936F3AF-D4B4-A5A6-2D6C-DD86E46278D9}"/>
+                <a16:creationId xmlns:a16="http://schemas.microsoft.com/office/drawing/2014/main" id="{7936F3AF-D4B4-A5A6-2D6C-DD86E46278D9}"/>
               </a:ext>
             </a:extLst>
           </p:cNvPr>
@@ -5090,7 +4949,7 @@
                 <a:hlinkClick r:id="rId2">
                   <a:extLst>
                     <a:ext uri="{A12FA001-AC4F-418D-AE19-62706E023703}">
-                      <ahyp:hlinkClr xmlns:ahyp="http://schemas.microsoft.com/office/drawing/2018/hyperlinkcolor" xmlns="" val="tx"/>
+                      <ahyp:hlinkClr xmlns:ahyp="http://schemas.microsoft.com/office/drawing/2018/hyperlinkcolor" val="tx"/>
                     </a:ext>
                   </a:extLst>
                 </a:hlinkClick>
@@ -5239,71 +5098,6 @@
     <p:extLst>
       <p:ext uri="{BB962C8B-B14F-4D97-AF65-F5344CB8AC3E}">
         <p14:creationId xmlns:p14="http://schemas.microsoft.com/office/powerpoint/2010/main" val="4247326587"/>
-      </p:ext>
-    </p:extLst>
-  </p:cSld>
-  <p:clrMapOvr>
-    <a:masterClrMapping/>
-  </p:clrMapOvr>
-</p:sld>
-</file>
-
-<file path=ppt/slides/slide14.xml><?xml version="1.0" encoding="utf-8"?>
-<p:sld xmlns:a="http://schemas.openxmlformats.org/drawingml/2006/main" xmlns:r="http://schemas.openxmlformats.org/officeDocument/2006/relationships" xmlns:p="http://schemas.openxmlformats.org/presentationml/2006/main">
-  <p:cSld>
-    <p:spTree>
-      <p:nvGrpSpPr>
-        <p:cNvPr id="1" name=""/>
-        <p:cNvGrpSpPr/>
-        <p:nvPr/>
-      </p:nvGrpSpPr>
-      <p:grpSpPr>
-        <a:xfrm>
-          <a:off x="0" y="0"/>
-          <a:ext cx="0" cy="0"/>
-          <a:chOff x="0" y="0"/>
-          <a:chExt cx="0" cy="0"/>
-        </a:xfrm>
-      </p:grpSpPr>
-      <p:sp>
-        <p:nvSpPr>
-          <p:cNvPr id="4" name="TextBox 3">
-            <a:extLst>
-              <a:ext uri="{FF2B5EF4-FFF2-40B4-BE49-F238E27FC236}">
-                <a16:creationId xmlns:a16="http://schemas.microsoft.com/office/drawing/2014/main" xmlns="" id="{33A7F211-C3DA-62E5-0F5A-D36550FCBB34}"/>
-              </a:ext>
-            </a:extLst>
-          </p:cNvPr>
-          <p:cNvSpPr txBox="1"/>
-          <p:nvPr/>
-        </p:nvSpPr>
-        <p:spPr>
-          <a:xfrm>
-            <a:off x="4808220" y="2049780"/>
-            <a:ext cx="3710940" cy="1015663"/>
-          </a:xfrm>
-          <a:prstGeom prst="rect">
-            <a:avLst/>
-          </a:prstGeom>
-          <a:noFill/>
-        </p:spPr>
-        <p:txBody>
-          <a:bodyPr wrap="square" rtlCol="0">
-            <a:spAutoFit/>
-          </a:bodyPr>
-          <a:lstStyle/>
-          <a:p>
-            <a:r>
-              <a:rPr lang="en-US" sz="6000" dirty="0"/>
-              <a:t>Question</a:t>
-            </a:r>
-          </a:p>
-        </p:txBody>
-      </p:sp>
-    </p:spTree>
-    <p:extLst>
-      <p:ext uri="{BB962C8B-B14F-4D97-AF65-F5344CB8AC3E}">
-        <p14:creationId xmlns:p14="http://schemas.microsoft.com/office/powerpoint/2010/main" val="4224308682"/>
       </p:ext>
     </p:extLst>
   </p:cSld>
@@ -5335,7 +5129,7 @@
           <p:cNvPr id="2" name="Title 1">
             <a:extLst>
               <a:ext uri="{FF2B5EF4-FFF2-40B4-BE49-F238E27FC236}">
-                <a16:creationId xmlns:a16="http://schemas.microsoft.com/office/drawing/2014/main" xmlns="" id="{2EACB703-C139-2108-FCA5-CE103D84D414}"/>
+                <a16:creationId xmlns:a16="http://schemas.microsoft.com/office/drawing/2014/main" id="{2EACB703-C139-2108-FCA5-CE103D84D414}"/>
               </a:ext>
             </a:extLst>
           </p:cNvPr>
@@ -5363,7 +5157,7 @@
           <p:cNvPr id="3" name="Content Placeholder 2">
             <a:extLst>
               <a:ext uri="{FF2B5EF4-FFF2-40B4-BE49-F238E27FC236}">
-                <a16:creationId xmlns:a16="http://schemas.microsoft.com/office/drawing/2014/main" xmlns="" id="{E7A57057-75EB-947C-2AB0-4B59E454ECA1}"/>
+                <a16:creationId xmlns:a16="http://schemas.microsoft.com/office/drawing/2014/main" id="{E7A57057-75EB-947C-2AB0-4B59E454ECA1}"/>
               </a:ext>
             </a:extLst>
           </p:cNvPr>
@@ -5504,7 +5298,7 @@
           <p:cNvPr id="2" name="Title 1">
             <a:extLst>
               <a:ext uri="{FF2B5EF4-FFF2-40B4-BE49-F238E27FC236}">
-                <a16:creationId xmlns:a16="http://schemas.microsoft.com/office/drawing/2014/main" xmlns="" id="{AAEE9E2E-718C-7026-DD35-84CFB284E1F2}"/>
+                <a16:creationId xmlns:a16="http://schemas.microsoft.com/office/drawing/2014/main" id="{AAEE9E2E-718C-7026-DD35-84CFB284E1F2}"/>
               </a:ext>
             </a:extLst>
           </p:cNvPr>
@@ -5532,7 +5326,7 @@
           <p:cNvPr id="3" name="Content Placeholder 2">
             <a:extLst>
               <a:ext uri="{FF2B5EF4-FFF2-40B4-BE49-F238E27FC236}">
-                <a16:creationId xmlns:a16="http://schemas.microsoft.com/office/drawing/2014/main" xmlns="" id="{F60A9CED-6CF5-8368-63BD-51267AED2CB8}"/>
+                <a16:creationId xmlns:a16="http://schemas.microsoft.com/office/drawing/2014/main" id="{F60A9CED-6CF5-8368-63BD-51267AED2CB8}"/>
               </a:ext>
             </a:extLst>
           </p:cNvPr>
@@ -5748,7 +5542,7 @@
           <p:cNvPr id="2" name="Title 1">
             <a:extLst>
               <a:ext uri="{FF2B5EF4-FFF2-40B4-BE49-F238E27FC236}">
-                <a16:creationId xmlns:a16="http://schemas.microsoft.com/office/drawing/2014/main" xmlns="" id="{DBFD3098-9BB2-6C02-78D8-7CD7FB6BAF96}"/>
+                <a16:creationId xmlns:a16="http://schemas.microsoft.com/office/drawing/2014/main" id="{DBFD3098-9BB2-6C02-78D8-7CD7FB6BAF96}"/>
               </a:ext>
             </a:extLst>
           </p:cNvPr>
@@ -5776,7 +5570,7 @@
           <p:cNvPr id="3" name="Content Placeholder 2">
             <a:extLst>
               <a:ext uri="{FF2B5EF4-FFF2-40B4-BE49-F238E27FC236}">
-                <a16:creationId xmlns:a16="http://schemas.microsoft.com/office/drawing/2014/main" xmlns="" id="{0CD1FEB3-ECE6-874D-001D-03492044CA62}"/>
+                <a16:creationId xmlns:a16="http://schemas.microsoft.com/office/drawing/2014/main" id="{0CD1FEB3-ECE6-874D-001D-03492044CA62}"/>
               </a:ext>
             </a:extLst>
           </p:cNvPr>
@@ -5966,7 +5760,7 @@
           <p:cNvPr id="2" name="Title 1">
             <a:extLst>
               <a:ext uri="{FF2B5EF4-FFF2-40B4-BE49-F238E27FC236}">
-                <a16:creationId xmlns:a16="http://schemas.microsoft.com/office/drawing/2014/main" xmlns="" id="{F2B54E45-43EA-4D2D-B5CE-9941D18858C2}"/>
+                <a16:creationId xmlns:a16="http://schemas.microsoft.com/office/drawing/2014/main" id="{F2B54E45-43EA-4D2D-B5CE-9941D18858C2}"/>
               </a:ext>
             </a:extLst>
           </p:cNvPr>
@@ -5999,7 +5793,7 @@
           <p:cNvPr id="3" name="Content Placeholder 2">
             <a:extLst>
               <a:ext uri="{FF2B5EF4-FFF2-40B4-BE49-F238E27FC236}">
-                <a16:creationId xmlns:a16="http://schemas.microsoft.com/office/drawing/2014/main" xmlns="" id="{D5C91206-4A3D-D277-081C-2DEC076C8F9F}"/>
+                <a16:creationId xmlns:a16="http://schemas.microsoft.com/office/drawing/2014/main" id="{D5C91206-4A3D-D277-081C-2DEC076C8F9F}"/>
               </a:ext>
             </a:extLst>
           </p:cNvPr>
@@ -6043,7 +5837,7 @@
           <p:cNvPr id="5" name="Picture 4">
             <a:extLst>
               <a:ext uri="{FF2B5EF4-FFF2-40B4-BE49-F238E27FC236}">
-                <a16:creationId xmlns:a16="http://schemas.microsoft.com/office/drawing/2014/main" xmlns="" id="{F9180C1D-F7DB-4CE2-F6C6-09A6FD76684A}"/>
+                <a16:creationId xmlns:a16="http://schemas.microsoft.com/office/drawing/2014/main" id="{F9180C1D-F7DB-4CE2-F6C6-09A6FD76684A}"/>
               </a:ext>
             </a:extLst>
           </p:cNvPr>
@@ -6073,7 +5867,7 @@
           <p:cNvPr id="11" name="Content Placeholder 4">
             <a:extLst>
               <a:ext uri="{FF2B5EF4-FFF2-40B4-BE49-F238E27FC236}">
-                <a16:creationId xmlns:a16="http://schemas.microsoft.com/office/drawing/2014/main" xmlns="" id="{33307979-484E-F7A7-6CA1-5FB082574D22}"/>
+                <a16:creationId xmlns:a16="http://schemas.microsoft.com/office/drawing/2014/main" id="{33307979-484E-F7A7-6CA1-5FB082574D22}"/>
               </a:ext>
             </a:extLst>
           </p:cNvPr>
@@ -6103,7 +5897,7 @@
           <p:cNvPr id="12" name="TextBox 11">
             <a:extLst>
               <a:ext uri="{FF2B5EF4-FFF2-40B4-BE49-F238E27FC236}">
-                <a16:creationId xmlns:a16="http://schemas.microsoft.com/office/drawing/2014/main" xmlns="" id="{2E769624-C1BB-D310-2543-C5DC503DF175}"/>
+                <a16:creationId xmlns:a16="http://schemas.microsoft.com/office/drawing/2014/main" id="{2E769624-C1BB-D310-2543-C5DC503DF175}"/>
               </a:ext>
             </a:extLst>
           </p:cNvPr>
@@ -6168,7 +5962,7 @@
           <p:cNvPr id="2" name="Title 1">
             <a:extLst>
               <a:ext uri="{FF2B5EF4-FFF2-40B4-BE49-F238E27FC236}">
-                <a16:creationId xmlns:a16="http://schemas.microsoft.com/office/drawing/2014/main" xmlns="" id="{DDF47FCE-5823-987D-AD07-E37F6C04D339}"/>
+                <a16:creationId xmlns:a16="http://schemas.microsoft.com/office/drawing/2014/main" id="{DDF47FCE-5823-987D-AD07-E37F6C04D339}"/>
               </a:ext>
             </a:extLst>
           </p:cNvPr>
@@ -6201,7 +5995,7 @@
           <p:cNvPr id="12" name="Content Placeholder 11">
             <a:extLst>
               <a:ext uri="{FF2B5EF4-FFF2-40B4-BE49-F238E27FC236}">
-                <a16:creationId xmlns:a16="http://schemas.microsoft.com/office/drawing/2014/main" xmlns="" id="{F66E6FF7-0321-8963-64BC-A988BBB9BE36}"/>
+                <a16:creationId xmlns:a16="http://schemas.microsoft.com/office/drawing/2014/main" id="{F66E6FF7-0321-8963-64BC-A988BBB9BE36}"/>
               </a:ext>
             </a:extLst>
           </p:cNvPr>
@@ -6260,7 +6054,7 @@
           <p:cNvPr id="2" name="Title 1">
             <a:extLst>
               <a:ext uri="{FF2B5EF4-FFF2-40B4-BE49-F238E27FC236}">
-                <a16:creationId xmlns:a16="http://schemas.microsoft.com/office/drawing/2014/main" xmlns="" id="{3866C492-59C0-4100-C5C2-40CAB17DB732}"/>
+                <a16:creationId xmlns:a16="http://schemas.microsoft.com/office/drawing/2014/main" id="{3866C492-59C0-4100-C5C2-40CAB17DB732}"/>
               </a:ext>
             </a:extLst>
           </p:cNvPr>
@@ -6293,7 +6087,7 @@
           <p:cNvPr id="5" name="Content Placeholder 4">
             <a:extLst>
               <a:ext uri="{FF2B5EF4-FFF2-40B4-BE49-F238E27FC236}">
-                <a16:creationId xmlns:a16="http://schemas.microsoft.com/office/drawing/2014/main" xmlns="" id="{2C83C4CC-8B78-4CEA-CA3C-58762F2C7CD1}"/>
+                <a16:creationId xmlns:a16="http://schemas.microsoft.com/office/drawing/2014/main" id="{2C83C4CC-8B78-4CEA-CA3C-58762F2C7CD1}"/>
               </a:ext>
             </a:extLst>
           </p:cNvPr>
@@ -6322,7 +6116,7 @@
           <p:cNvPr id="6" name="TextBox 5">
             <a:extLst>
               <a:ext uri="{FF2B5EF4-FFF2-40B4-BE49-F238E27FC236}">
-                <a16:creationId xmlns:a16="http://schemas.microsoft.com/office/drawing/2014/main" xmlns="" id="{C473E262-ED3E-FC4E-4F88-122958271690}"/>
+                <a16:creationId xmlns:a16="http://schemas.microsoft.com/office/drawing/2014/main" id="{C473E262-ED3E-FC4E-4F88-122958271690}"/>
               </a:ext>
             </a:extLst>
           </p:cNvPr>
@@ -6515,7 +6309,7 @@
           <p:cNvPr id="2" name="Title 1">
             <a:extLst>
               <a:ext uri="{FF2B5EF4-FFF2-40B4-BE49-F238E27FC236}">
-                <a16:creationId xmlns:a16="http://schemas.microsoft.com/office/drawing/2014/main" xmlns="" id="{9C8B2C3E-FBE3-746F-4605-9AB26726A41C}"/>
+                <a16:creationId xmlns:a16="http://schemas.microsoft.com/office/drawing/2014/main" id="{9C8B2C3E-FBE3-746F-4605-9AB26726A41C}"/>
               </a:ext>
             </a:extLst>
           </p:cNvPr>
@@ -6543,7 +6337,7 @@
           <p:cNvPr id="3" name="Content Placeholder 2">
             <a:extLst>
               <a:ext uri="{FF2B5EF4-FFF2-40B4-BE49-F238E27FC236}">
-                <a16:creationId xmlns:a16="http://schemas.microsoft.com/office/drawing/2014/main" xmlns="" id="{870E6FEB-89F3-C383-3546-D7F3A7273AF3}"/>
+                <a16:creationId xmlns:a16="http://schemas.microsoft.com/office/drawing/2014/main" id="{870E6FEB-89F3-C383-3546-D7F3A7273AF3}"/>
               </a:ext>
             </a:extLst>
           </p:cNvPr>
@@ -6655,7 +6449,7 @@
           <p:cNvPr id="6" name="Picture 5">
             <a:extLst>
               <a:ext uri="{FF2B5EF4-FFF2-40B4-BE49-F238E27FC236}">
-                <a16:creationId xmlns:a16="http://schemas.microsoft.com/office/drawing/2014/main" xmlns="" id="{B63F5BC9-C56E-E449-AD55-CF046ACB45A6}"/>
+                <a16:creationId xmlns:a16="http://schemas.microsoft.com/office/drawing/2014/main" id="{B63F5BC9-C56E-E449-AD55-CF046ACB45A6}"/>
               </a:ext>
             </a:extLst>
           </p:cNvPr>
@@ -6685,7 +6479,7 @@
           <p:cNvPr id="8" name="Picture 7">
             <a:extLst>
               <a:ext uri="{FF2B5EF4-FFF2-40B4-BE49-F238E27FC236}">
-                <a16:creationId xmlns:a16="http://schemas.microsoft.com/office/drawing/2014/main" xmlns="" id="{ADF7EF20-40B7-F0F5-BF84-CD9EFD6A52E4}"/>
+                <a16:creationId xmlns:a16="http://schemas.microsoft.com/office/drawing/2014/main" id="{ADF7EF20-40B7-F0F5-BF84-CD9EFD6A52E4}"/>
               </a:ext>
             </a:extLst>
           </p:cNvPr>
@@ -6715,7 +6509,7 @@
           <p:cNvPr id="10" name="Picture 9">
             <a:extLst>
               <a:ext uri="{FF2B5EF4-FFF2-40B4-BE49-F238E27FC236}">
-                <a16:creationId xmlns:a16="http://schemas.microsoft.com/office/drawing/2014/main" xmlns="" id="{EEF73037-4430-2617-EA0C-45AED212EF39}"/>
+                <a16:creationId xmlns:a16="http://schemas.microsoft.com/office/drawing/2014/main" id="{EEF73037-4430-2617-EA0C-45AED212EF39}"/>
               </a:ext>
             </a:extLst>
           </p:cNvPr>
@@ -6775,7 +6569,7 @@
           <p:cNvPr id="2" name="Title 1">
             <a:extLst>
               <a:ext uri="{FF2B5EF4-FFF2-40B4-BE49-F238E27FC236}">
-                <a16:creationId xmlns:a16="http://schemas.microsoft.com/office/drawing/2014/main" xmlns="" id="{09E7D5F3-8CAD-7109-BCA0-CB39D2662F12}"/>
+                <a16:creationId xmlns:a16="http://schemas.microsoft.com/office/drawing/2014/main" id="{09E7D5F3-8CAD-7109-BCA0-CB39D2662F12}"/>
               </a:ext>
             </a:extLst>
           </p:cNvPr>
@@ -6803,7 +6597,7 @@
           <p:cNvPr id="3" name="Content Placeholder 2">
             <a:extLst>
               <a:ext uri="{FF2B5EF4-FFF2-40B4-BE49-F238E27FC236}">
-                <a16:creationId xmlns:a16="http://schemas.microsoft.com/office/drawing/2014/main" xmlns="" id="{5C0B99D6-63D5-625F-D037-C3C1D08379D5}"/>
+                <a16:creationId xmlns:a16="http://schemas.microsoft.com/office/drawing/2014/main" id="{5C0B99D6-63D5-625F-D037-C3C1D08379D5}"/>
               </a:ext>
             </a:extLst>
           </p:cNvPr>
@@ -6847,7 +6641,7 @@
           <p:cNvPr id="5" name="Picture 4">
             <a:extLst>
               <a:ext uri="{FF2B5EF4-FFF2-40B4-BE49-F238E27FC236}">
-                <a16:creationId xmlns:a16="http://schemas.microsoft.com/office/drawing/2014/main" xmlns="" id="{B52368C7-9C68-B83D-21F1-F8D771767D30}"/>
+                <a16:creationId xmlns:a16="http://schemas.microsoft.com/office/drawing/2014/main" id="{B52368C7-9C68-B83D-21F1-F8D771767D30}"/>
               </a:ext>
             </a:extLst>
           </p:cNvPr>
@@ -6877,7 +6671,7 @@
           <p:cNvPr id="11" name="Picture 10">
             <a:extLst>
               <a:ext uri="{FF2B5EF4-FFF2-40B4-BE49-F238E27FC236}">
-                <a16:creationId xmlns:a16="http://schemas.microsoft.com/office/drawing/2014/main" xmlns="" id="{B4670253-9445-08D1-EDAB-361A1DF7E5AF}"/>
+                <a16:creationId xmlns:a16="http://schemas.microsoft.com/office/drawing/2014/main" id="{B4670253-9445-08D1-EDAB-361A1DF7E5AF}"/>
               </a:ext>
             </a:extLst>
           </p:cNvPr>
